--- a/document/mock_up_vc2part2.pptx
+++ b/document/mock_up_vc2part2.pptx
@@ -6,6 +6,10 @@
   </p:sldMasterIdLst>
   <p:sldIdLst>
     <p:sldId id="256" r:id="rId2"/>
+    <p:sldId id="259" r:id="rId3"/>
+    <p:sldId id="260" r:id="rId4"/>
+    <p:sldId id="257" r:id="rId5"/>
+    <p:sldId id="258" r:id="rId6"/>
   </p:sldIdLst>
   <p:sldSz cx="12192000" cy="6858000"/>
   <p:notesSz cx="6858000" cy="9144000"/>
@@ -259,7 +263,7 @@
           <a:p>
             <a:fld id="{0E7C9D4A-E086-4038-81C9-5CB7E1A2C39D}" type="datetimeFigureOut">
               <a:rPr lang="en-US" smtClean="0"/>
-              <a:t>12/17/2021</a:t>
+              <a:t>12/27/2021</a:t>
             </a:fld>
             <a:endParaRPr lang="en-US"/>
           </a:p>
@@ -457,7 +461,7 @@
           <a:p>
             <a:fld id="{0E7C9D4A-E086-4038-81C9-5CB7E1A2C39D}" type="datetimeFigureOut">
               <a:rPr lang="en-US" smtClean="0"/>
-              <a:t>12/17/2021</a:t>
+              <a:t>12/27/2021</a:t>
             </a:fld>
             <a:endParaRPr lang="en-US"/>
           </a:p>
@@ -665,7 +669,7 @@
           <a:p>
             <a:fld id="{0E7C9D4A-E086-4038-81C9-5CB7E1A2C39D}" type="datetimeFigureOut">
               <a:rPr lang="en-US" smtClean="0"/>
-              <a:t>12/17/2021</a:t>
+              <a:t>12/27/2021</a:t>
             </a:fld>
             <a:endParaRPr lang="en-US"/>
           </a:p>
@@ -863,7 +867,7 @@
           <a:p>
             <a:fld id="{0E7C9D4A-E086-4038-81C9-5CB7E1A2C39D}" type="datetimeFigureOut">
               <a:rPr lang="en-US" smtClean="0"/>
-              <a:t>12/17/2021</a:t>
+              <a:t>12/27/2021</a:t>
             </a:fld>
             <a:endParaRPr lang="en-US"/>
           </a:p>
@@ -1138,7 +1142,7 @@
           <a:p>
             <a:fld id="{0E7C9D4A-E086-4038-81C9-5CB7E1A2C39D}" type="datetimeFigureOut">
               <a:rPr lang="en-US" smtClean="0"/>
-              <a:t>12/17/2021</a:t>
+              <a:t>12/27/2021</a:t>
             </a:fld>
             <a:endParaRPr lang="en-US"/>
           </a:p>
@@ -1403,7 +1407,7 @@
           <a:p>
             <a:fld id="{0E7C9D4A-E086-4038-81C9-5CB7E1A2C39D}" type="datetimeFigureOut">
               <a:rPr lang="en-US" smtClean="0"/>
-              <a:t>12/17/2021</a:t>
+              <a:t>12/27/2021</a:t>
             </a:fld>
             <a:endParaRPr lang="en-US"/>
           </a:p>
@@ -1815,7 +1819,7 @@
           <a:p>
             <a:fld id="{0E7C9D4A-E086-4038-81C9-5CB7E1A2C39D}" type="datetimeFigureOut">
               <a:rPr lang="en-US" smtClean="0"/>
-              <a:t>12/17/2021</a:t>
+              <a:t>12/27/2021</a:t>
             </a:fld>
             <a:endParaRPr lang="en-US"/>
           </a:p>
@@ -1956,7 +1960,7 @@
           <a:p>
             <a:fld id="{0E7C9D4A-E086-4038-81C9-5CB7E1A2C39D}" type="datetimeFigureOut">
               <a:rPr lang="en-US" smtClean="0"/>
-              <a:t>12/17/2021</a:t>
+              <a:t>12/27/2021</a:t>
             </a:fld>
             <a:endParaRPr lang="en-US"/>
           </a:p>
@@ -2069,7 +2073,7 @@
           <a:p>
             <a:fld id="{0E7C9D4A-E086-4038-81C9-5CB7E1A2C39D}" type="datetimeFigureOut">
               <a:rPr lang="en-US" smtClean="0"/>
-              <a:t>12/17/2021</a:t>
+              <a:t>12/27/2021</a:t>
             </a:fld>
             <a:endParaRPr lang="en-US"/>
           </a:p>
@@ -2380,7 +2384,7 @@
           <a:p>
             <a:fld id="{0E7C9D4A-E086-4038-81C9-5CB7E1A2C39D}" type="datetimeFigureOut">
               <a:rPr lang="en-US" smtClean="0"/>
-              <a:t>12/17/2021</a:t>
+              <a:t>12/27/2021</a:t>
             </a:fld>
             <a:endParaRPr lang="en-US"/>
           </a:p>
@@ -2668,7 +2672,7 @@
           <a:p>
             <a:fld id="{0E7C9D4A-E086-4038-81C9-5CB7E1A2C39D}" type="datetimeFigureOut">
               <a:rPr lang="en-US" smtClean="0"/>
-              <a:t>12/17/2021</a:t>
+              <a:t>12/27/2021</a:t>
             </a:fld>
             <a:endParaRPr lang="en-US"/>
           </a:p>
@@ -2909,7 +2913,7 @@
           <a:p>
             <a:fld id="{0E7C9D4A-E086-4038-81C9-5CB7E1A2C39D}" type="datetimeFigureOut">
               <a:rPr lang="en-US" smtClean="0"/>
-              <a:t>12/17/2021</a:t>
+              <a:t>12/27/2021</a:t>
             </a:fld>
             <a:endParaRPr lang="en-US"/>
           </a:p>
@@ -3326,12 +3330,90 @@
           <a:chExt cx="0" cy="0"/>
         </a:xfrm>
       </p:grpSpPr>
+      <p:sp>
+        <p:nvSpPr>
+          <p:cNvPr id="6" name="TextBox 5">
+            <a:extLst>
+              <a:ext uri="{FF2B5EF4-FFF2-40B4-BE49-F238E27FC236}">
+                <a16:creationId xmlns:a16="http://schemas.microsoft.com/office/drawing/2014/main" id="{18D65807-89ED-46FD-9AAF-547A2BAC570E}"/>
+              </a:ext>
+            </a:extLst>
+          </p:cNvPr>
+          <p:cNvSpPr txBox="1"/>
+          <p:nvPr/>
+        </p:nvSpPr>
+        <p:spPr>
+          <a:xfrm>
+            <a:off x="5671314" y="666911"/>
+            <a:ext cx="1242646" cy="461665"/>
+          </a:xfrm>
+          <a:prstGeom prst="rect">
+            <a:avLst/>
+          </a:prstGeom>
+          <a:noFill/>
+        </p:spPr>
+        <p:txBody>
+          <a:bodyPr wrap="square" rtlCol="0">
+            <a:spAutoFit/>
+          </a:bodyPr>
+          <a:lstStyle/>
+          <a:p>
+            <a:r>
+              <a:rPr lang="en-US" sz="2400" b="1" dirty="0"/>
+              <a:t>Sign In</a:t>
+            </a:r>
+          </a:p>
+        </p:txBody>
+      </p:sp>
+      <p:sp>
+        <p:nvSpPr>
+          <p:cNvPr id="2" name="TextBox 1">
+            <a:extLst>
+              <a:ext uri="{FF2B5EF4-FFF2-40B4-BE49-F238E27FC236}">
+                <a16:creationId xmlns:a16="http://schemas.microsoft.com/office/drawing/2014/main" id="{3AA09E82-0602-4078-ACB7-E7E2FA28AEC8}"/>
+              </a:ext>
+            </a:extLst>
+          </p:cNvPr>
+          <p:cNvSpPr txBox="1"/>
+          <p:nvPr/>
+        </p:nvSpPr>
+        <p:spPr>
+          <a:xfrm>
+            <a:off x="0" y="0"/>
+            <a:ext cx="4970584" cy="523220"/>
+          </a:xfrm>
+          <a:prstGeom prst="rect">
+            <a:avLst/>
+          </a:prstGeom>
+          <a:noFill/>
+        </p:spPr>
+        <p:txBody>
+          <a:bodyPr wrap="square" rtlCol="0">
+            <a:spAutoFit/>
+          </a:bodyPr>
+          <a:lstStyle/>
+          <a:p>
+            <a:r>
+              <a:rPr lang="en-US" sz="2800" b="1" dirty="0"/>
+              <a:t>Group 2</a:t>
+            </a:r>
+            <a:r>
+              <a:rPr lang="en-US" sz="2800" dirty="0"/>
+              <a:t> : </a:t>
+            </a:r>
+            <a:r>
+              <a:rPr lang="en-US" sz="2000" dirty="0"/>
+              <a:t>Mock up VC2 Part2 </a:t>
+            </a:r>
+          </a:p>
+        </p:txBody>
+      </p:sp>
       <p:pic>
         <p:nvPicPr>
-          <p:cNvPr id="5" name="Picture 4">
-            <a:extLst>
-              <a:ext uri="{FF2B5EF4-FFF2-40B4-BE49-F238E27FC236}">
-                <a16:creationId xmlns:a16="http://schemas.microsoft.com/office/drawing/2014/main" id="{7B04121B-D2F1-4E6F-8013-722F79F94DEA}"/>
+          <p:cNvPr id="4" name="Picture 3">
+            <a:extLst>
+              <a:ext uri="{FF2B5EF4-FFF2-40B4-BE49-F238E27FC236}">
+                <a16:creationId xmlns:a16="http://schemas.microsoft.com/office/drawing/2014/main" id="{45D43ED6-4301-4121-817F-EA5F34EF2C86}"/>
               </a:ext>
             </a:extLst>
           </p:cNvPr>
@@ -3348,20 +3430,50 @@
         </p:blipFill>
         <p:spPr>
           <a:xfrm>
-            <a:off x="2585486" y="1628053"/>
-            <a:ext cx="5819959" cy="5064369"/>
+            <a:off x="609601" y="1128576"/>
+            <a:ext cx="10996248" cy="5366010"/>
           </a:xfrm>
           <a:prstGeom prst="rect">
             <a:avLst/>
           </a:prstGeom>
         </p:spPr>
       </p:pic>
+    </p:spTree>
+    <p:extLst>
+      <p:ext uri="{BB962C8B-B14F-4D97-AF65-F5344CB8AC3E}">
+        <p14:creationId xmlns:p14="http://schemas.microsoft.com/office/powerpoint/2010/main" val="823322221"/>
+      </p:ext>
+    </p:extLst>
+  </p:cSld>
+  <p:clrMapOvr>
+    <a:masterClrMapping/>
+  </p:clrMapOvr>
+</p:sld>
+</file>
+
+<file path=ppt/slides/slide2.xml><?xml version="1.0" encoding="utf-8"?>
+<p:sld xmlns:a="http://schemas.openxmlformats.org/drawingml/2006/main" xmlns:r="http://schemas.openxmlformats.org/officeDocument/2006/relationships" xmlns:p="http://schemas.openxmlformats.org/presentationml/2006/main">
+  <p:cSld>
+    <p:spTree>
+      <p:nvGrpSpPr>
+        <p:cNvPr id="1" name=""/>
+        <p:cNvGrpSpPr/>
+        <p:nvPr/>
+      </p:nvGrpSpPr>
+      <p:grpSpPr>
+        <a:xfrm>
+          <a:off x="0" y="0"/>
+          <a:ext cx="0" cy="0"/>
+          <a:chOff x="0" y="0"/>
+          <a:chExt cx="0" cy="0"/>
+        </a:xfrm>
+      </p:grpSpPr>
       <p:sp>
         <p:nvSpPr>
           <p:cNvPr id="6" name="TextBox 5">
             <a:extLst>
               <a:ext uri="{FF2B5EF4-FFF2-40B4-BE49-F238E27FC236}">
-                <a16:creationId xmlns:a16="http://schemas.microsoft.com/office/drawing/2014/main" id="{18D65807-89ED-46FD-9AAF-547A2BAC570E}"/>
+                <a16:creationId xmlns:a16="http://schemas.microsoft.com/office/drawing/2014/main" id="{EC964E8A-E6A9-4F56-B357-C4C02D41E6F7}"/>
               </a:ext>
             </a:extLst>
           </p:cNvPr>
@@ -3370,8 +3482,8 @@
         </p:nvSpPr>
         <p:spPr>
           <a:xfrm>
-            <a:off x="4874142" y="1166388"/>
-            <a:ext cx="1242646" cy="461665"/>
+            <a:off x="187570" y="541641"/>
+            <a:ext cx="4220308" cy="461665"/>
           </a:xfrm>
           <a:prstGeom prst="rect">
             <a:avLst/>
@@ -3386,17 +3498,47 @@
           <a:p>
             <a:r>
               <a:rPr lang="en-US" sz="2400" b="1" dirty="0"/>
-              <a:t>Sign In</a:t>
-            </a:r>
-          </a:p>
-        </p:txBody>
-      </p:sp>
-      <p:sp>
-        <p:nvSpPr>
-          <p:cNvPr id="2" name="TextBox 1">
-            <a:extLst>
-              <a:ext uri="{FF2B5EF4-FFF2-40B4-BE49-F238E27FC236}">
-                <a16:creationId xmlns:a16="http://schemas.microsoft.com/office/drawing/2014/main" id="{3AA09E82-0602-4078-ACB7-E7E2FA28AEC8}"/>
+              <a:t>Navigation as  an Admin user </a:t>
+            </a:r>
+          </a:p>
+        </p:txBody>
+      </p:sp>
+      <p:pic>
+        <p:nvPicPr>
+          <p:cNvPr id="10" name="Picture 9">
+            <a:extLst>
+              <a:ext uri="{FF2B5EF4-FFF2-40B4-BE49-F238E27FC236}">
+                <a16:creationId xmlns:a16="http://schemas.microsoft.com/office/drawing/2014/main" id="{E11F0F91-C568-4881-BDAE-55291AE31E89}"/>
+              </a:ext>
+            </a:extLst>
+          </p:cNvPr>
+          <p:cNvPicPr>
+            <a:picLocks noChangeAspect="1"/>
+          </p:cNvPicPr>
+          <p:nvPr/>
+        </p:nvPicPr>
+        <p:blipFill>
+          <a:blip r:embed="rId2"/>
+          <a:stretch>
+            <a:fillRect/>
+          </a:stretch>
+        </p:blipFill>
+        <p:spPr>
+          <a:xfrm>
+            <a:off x="187570" y="1036823"/>
+            <a:ext cx="11437257" cy="720355"/>
+          </a:xfrm>
+          <a:prstGeom prst="rect">
+            <a:avLst/>
+          </a:prstGeom>
+        </p:spPr>
+      </p:pic>
+      <p:sp>
+        <p:nvSpPr>
+          <p:cNvPr id="13" name="TextBox 12">
+            <a:extLst>
+              <a:ext uri="{FF2B5EF4-FFF2-40B4-BE49-F238E27FC236}">
+                <a16:creationId xmlns:a16="http://schemas.microsoft.com/office/drawing/2014/main" id="{E8E8C882-D485-4CAF-9C45-6D680BC53076}"/>
               </a:ext>
             </a:extLst>
           </p:cNvPr>
@@ -3405,8 +3547,8 @@
         </p:nvSpPr>
         <p:spPr>
           <a:xfrm>
-            <a:off x="410308" y="469900"/>
-            <a:ext cx="8663354" cy="523220"/>
+            <a:off x="187570" y="1980432"/>
+            <a:ext cx="4220308" cy="461665"/>
           </a:xfrm>
           <a:prstGeom prst="rect">
             <a:avLst/>
@@ -3420,8 +3562,103 @@
           <a:lstStyle/>
           <a:p>
             <a:r>
-              <a:rPr lang="en-US" sz="2800" dirty="0"/>
-              <a:t>Group 2 : Mock up VC2 Part2 </a:t>
+              <a:rPr lang="en-US" sz="2400" b="1" dirty="0"/>
+              <a:t>Navigation as  a SA officer </a:t>
+            </a:r>
+          </a:p>
+        </p:txBody>
+      </p:sp>
+      <p:pic>
+        <p:nvPicPr>
+          <p:cNvPr id="15" name="Picture 14">
+            <a:extLst>
+              <a:ext uri="{FF2B5EF4-FFF2-40B4-BE49-F238E27FC236}">
+                <a16:creationId xmlns:a16="http://schemas.microsoft.com/office/drawing/2014/main" id="{437E2A4B-8A6D-4BCB-BA90-D338F45B18EE}"/>
+              </a:ext>
+            </a:extLst>
+          </p:cNvPr>
+          <p:cNvPicPr>
+            <a:picLocks noChangeAspect="1"/>
+          </p:cNvPicPr>
+          <p:nvPr/>
+        </p:nvPicPr>
+        <p:blipFill>
+          <a:blip r:embed="rId3"/>
+          <a:stretch>
+            <a:fillRect/>
+          </a:stretch>
+        </p:blipFill>
+        <p:spPr>
+          <a:xfrm>
+            <a:off x="187570" y="4397061"/>
+            <a:ext cx="11656087" cy="786872"/>
+          </a:xfrm>
+          <a:prstGeom prst="rect">
+            <a:avLst/>
+          </a:prstGeom>
+        </p:spPr>
+      </p:pic>
+      <p:pic>
+        <p:nvPicPr>
+          <p:cNvPr id="17" name="Picture 16">
+            <a:extLst>
+              <a:ext uri="{FF2B5EF4-FFF2-40B4-BE49-F238E27FC236}">
+                <a16:creationId xmlns:a16="http://schemas.microsoft.com/office/drawing/2014/main" id="{0433532B-E8AE-4E4F-951C-38AFC3705833}"/>
+              </a:ext>
+            </a:extLst>
+          </p:cNvPr>
+          <p:cNvPicPr>
+            <a:picLocks noChangeAspect="1"/>
+          </p:cNvPicPr>
+          <p:nvPr/>
+        </p:nvPicPr>
+        <p:blipFill>
+          <a:blip r:embed="rId4"/>
+          <a:stretch>
+            <a:fillRect/>
+          </a:stretch>
+        </p:blipFill>
+        <p:spPr>
+          <a:xfrm>
+            <a:off x="187570" y="2475614"/>
+            <a:ext cx="11656087" cy="741345"/>
+          </a:xfrm>
+          <a:prstGeom prst="rect">
+            <a:avLst/>
+          </a:prstGeom>
+        </p:spPr>
+      </p:pic>
+      <p:sp>
+        <p:nvSpPr>
+          <p:cNvPr id="18" name="TextBox 17">
+            <a:extLst>
+              <a:ext uri="{FF2B5EF4-FFF2-40B4-BE49-F238E27FC236}">
+                <a16:creationId xmlns:a16="http://schemas.microsoft.com/office/drawing/2014/main" id="{625D78A6-9E1B-48C8-811E-0FB02A06529D}"/>
+              </a:ext>
+            </a:extLst>
+          </p:cNvPr>
+          <p:cNvSpPr txBox="1"/>
+          <p:nvPr/>
+        </p:nvSpPr>
+        <p:spPr>
+          <a:xfrm>
+            <a:off x="187570" y="3906993"/>
+            <a:ext cx="4220308" cy="461665"/>
+          </a:xfrm>
+          <a:prstGeom prst="rect">
+            <a:avLst/>
+          </a:prstGeom>
+          <a:noFill/>
+        </p:spPr>
+        <p:txBody>
+          <a:bodyPr wrap="square" rtlCol="0">
+            <a:spAutoFit/>
+          </a:bodyPr>
+          <a:lstStyle/>
+          <a:p>
+            <a:r>
+              <a:rPr lang="en-US" sz="2400" b="1" dirty="0"/>
+              <a:t>Navigation as  a Student</a:t>
             </a:r>
           </a:p>
         </p:txBody>
@@ -3429,7 +3666,292 @@
     </p:spTree>
     <p:extLst>
       <p:ext uri="{BB962C8B-B14F-4D97-AF65-F5344CB8AC3E}">
-        <p14:creationId xmlns:p14="http://schemas.microsoft.com/office/powerpoint/2010/main" val="823322221"/>
+        <p14:creationId xmlns:p14="http://schemas.microsoft.com/office/powerpoint/2010/main" val="841024998"/>
+      </p:ext>
+    </p:extLst>
+  </p:cSld>
+  <p:clrMapOvr>
+    <a:masterClrMapping/>
+  </p:clrMapOvr>
+</p:sld>
+</file>
+
+<file path=ppt/slides/slide3.xml><?xml version="1.0" encoding="utf-8"?>
+<p:sld xmlns:a="http://schemas.openxmlformats.org/drawingml/2006/main" xmlns:r="http://schemas.openxmlformats.org/officeDocument/2006/relationships" xmlns:p="http://schemas.openxmlformats.org/presentationml/2006/main">
+  <p:cSld>
+    <p:spTree>
+      <p:nvGrpSpPr>
+        <p:cNvPr id="1" name=""/>
+        <p:cNvGrpSpPr/>
+        <p:nvPr/>
+      </p:nvGrpSpPr>
+      <p:grpSpPr>
+        <a:xfrm>
+          <a:off x="0" y="0"/>
+          <a:ext cx="0" cy="0"/>
+          <a:chOff x="0" y="0"/>
+          <a:chExt cx="0" cy="0"/>
+        </a:xfrm>
+      </p:grpSpPr>
+      <p:sp>
+        <p:nvSpPr>
+          <p:cNvPr id="5" name="TextBox 4">
+            <a:extLst>
+              <a:ext uri="{FF2B5EF4-FFF2-40B4-BE49-F238E27FC236}">
+                <a16:creationId xmlns:a16="http://schemas.microsoft.com/office/drawing/2014/main" id="{AAE5323C-2304-4AE9-849D-B3E1A24C2272}"/>
+              </a:ext>
+            </a:extLst>
+          </p:cNvPr>
+          <p:cNvSpPr txBox="1"/>
+          <p:nvPr/>
+        </p:nvSpPr>
+        <p:spPr>
+          <a:xfrm>
+            <a:off x="0" y="204148"/>
+            <a:ext cx="2104571" cy="461665"/>
+          </a:xfrm>
+          <a:prstGeom prst="rect">
+            <a:avLst/>
+          </a:prstGeom>
+          <a:noFill/>
+        </p:spPr>
+        <p:txBody>
+          <a:bodyPr wrap="square" rtlCol="0">
+            <a:spAutoFit/>
+          </a:bodyPr>
+          <a:lstStyle/>
+          <a:p>
+            <a:r>
+              <a:rPr lang="en-US" sz="2400" b="1" dirty="0"/>
+              <a:t> Users card</a:t>
+            </a:r>
+          </a:p>
+        </p:txBody>
+      </p:sp>
+      <p:pic>
+        <p:nvPicPr>
+          <p:cNvPr id="8" name="Picture 7">
+            <a:extLst>
+              <a:ext uri="{FF2B5EF4-FFF2-40B4-BE49-F238E27FC236}">
+                <a16:creationId xmlns:a16="http://schemas.microsoft.com/office/drawing/2014/main" id="{C14E93EE-1F24-4FA1-94CC-14039F723BB2}"/>
+              </a:ext>
+            </a:extLst>
+          </p:cNvPr>
+          <p:cNvPicPr>
+            <a:picLocks noChangeAspect="1"/>
+          </p:cNvPicPr>
+          <p:nvPr/>
+        </p:nvPicPr>
+        <p:blipFill>
+          <a:blip r:embed="rId2"/>
+          <a:stretch>
+            <a:fillRect/>
+          </a:stretch>
+        </p:blipFill>
+        <p:spPr>
+          <a:xfrm>
+            <a:off x="449942" y="870857"/>
+            <a:ext cx="11509829" cy="5408356"/>
+          </a:xfrm>
+          <a:prstGeom prst="rect">
+            <a:avLst/>
+          </a:prstGeom>
+        </p:spPr>
+      </p:pic>
+    </p:spTree>
+    <p:extLst>
+      <p:ext uri="{BB962C8B-B14F-4D97-AF65-F5344CB8AC3E}">
+        <p14:creationId xmlns:p14="http://schemas.microsoft.com/office/powerpoint/2010/main" val="1867707487"/>
+      </p:ext>
+    </p:extLst>
+  </p:cSld>
+  <p:clrMapOvr>
+    <a:masterClrMapping/>
+  </p:clrMapOvr>
+</p:sld>
+</file>
+
+<file path=ppt/slides/slide4.xml><?xml version="1.0" encoding="utf-8"?>
+<p:sld xmlns:a="http://schemas.openxmlformats.org/drawingml/2006/main" xmlns:r="http://schemas.openxmlformats.org/officeDocument/2006/relationships" xmlns:p="http://schemas.openxmlformats.org/presentationml/2006/main">
+  <p:cSld>
+    <p:spTree>
+      <p:nvGrpSpPr>
+        <p:cNvPr id="1" name=""/>
+        <p:cNvGrpSpPr/>
+        <p:nvPr/>
+      </p:nvGrpSpPr>
+      <p:grpSpPr>
+        <a:xfrm>
+          <a:off x="0" y="0"/>
+          <a:ext cx="0" cy="0"/>
+          <a:chOff x="0" y="0"/>
+          <a:chExt cx="0" cy="0"/>
+        </a:xfrm>
+      </p:grpSpPr>
+      <p:pic>
+        <p:nvPicPr>
+          <p:cNvPr id="4" name="Picture 3">
+            <a:extLst>
+              <a:ext uri="{FF2B5EF4-FFF2-40B4-BE49-F238E27FC236}">
+                <a16:creationId xmlns:a16="http://schemas.microsoft.com/office/drawing/2014/main" id="{8FB3FDC3-65B2-44BF-9EE9-B1E909559E3D}"/>
+              </a:ext>
+            </a:extLst>
+          </p:cNvPr>
+          <p:cNvPicPr>
+            <a:picLocks noChangeAspect="1"/>
+          </p:cNvPicPr>
+          <p:nvPr/>
+        </p:nvPicPr>
+        <p:blipFill>
+          <a:blip r:embed="rId2"/>
+          <a:stretch>
+            <a:fillRect/>
+          </a:stretch>
+        </p:blipFill>
+        <p:spPr>
+          <a:xfrm>
+            <a:off x="3495312" y="1195075"/>
+            <a:ext cx="5201376" cy="4467849"/>
+          </a:xfrm>
+          <a:prstGeom prst="rect">
+            <a:avLst/>
+          </a:prstGeom>
+        </p:spPr>
+      </p:pic>
+      <p:sp>
+        <p:nvSpPr>
+          <p:cNvPr id="5" name="TextBox 4">
+            <a:extLst>
+              <a:ext uri="{FF2B5EF4-FFF2-40B4-BE49-F238E27FC236}">
+                <a16:creationId xmlns:a16="http://schemas.microsoft.com/office/drawing/2014/main" id="{D235FBA3-8A78-4985-8312-359EBDA2F6A4}"/>
+              </a:ext>
+            </a:extLst>
+          </p:cNvPr>
+          <p:cNvSpPr txBox="1"/>
+          <p:nvPr/>
+        </p:nvSpPr>
+        <p:spPr>
+          <a:xfrm>
+            <a:off x="259309" y="139321"/>
+            <a:ext cx="3821372" cy="523220"/>
+          </a:xfrm>
+          <a:prstGeom prst="rect">
+            <a:avLst/>
+          </a:prstGeom>
+          <a:noFill/>
+        </p:spPr>
+        <p:txBody>
+          <a:bodyPr wrap="square" rtlCol="0">
+            <a:spAutoFit/>
+          </a:bodyPr>
+          <a:lstStyle/>
+          <a:p>
+            <a:r>
+              <a:rPr lang="en-US" sz="2800" b="1" dirty="0"/>
+              <a:t>Form create permission</a:t>
+            </a:r>
+          </a:p>
+        </p:txBody>
+      </p:sp>
+    </p:spTree>
+    <p:extLst>
+      <p:ext uri="{BB962C8B-B14F-4D97-AF65-F5344CB8AC3E}">
+        <p14:creationId xmlns:p14="http://schemas.microsoft.com/office/powerpoint/2010/main" val="4011147782"/>
+      </p:ext>
+    </p:extLst>
+  </p:cSld>
+  <p:clrMapOvr>
+    <a:masterClrMapping/>
+  </p:clrMapOvr>
+</p:sld>
+</file>
+
+<file path=ppt/slides/slide5.xml><?xml version="1.0" encoding="utf-8"?>
+<p:sld xmlns:a="http://schemas.openxmlformats.org/drawingml/2006/main" xmlns:r="http://schemas.openxmlformats.org/officeDocument/2006/relationships" xmlns:p="http://schemas.openxmlformats.org/presentationml/2006/main">
+  <p:cSld>
+    <p:spTree>
+      <p:nvGrpSpPr>
+        <p:cNvPr id="1" name=""/>
+        <p:cNvGrpSpPr/>
+        <p:nvPr/>
+      </p:nvGrpSpPr>
+      <p:grpSpPr>
+        <a:xfrm>
+          <a:off x="0" y="0"/>
+          <a:ext cx="0" cy="0"/>
+          <a:chOff x="0" y="0"/>
+          <a:chExt cx="0" cy="0"/>
+        </a:xfrm>
+      </p:grpSpPr>
+      <p:sp>
+        <p:nvSpPr>
+          <p:cNvPr id="4" name="TextBox 3">
+            <a:extLst>
+              <a:ext uri="{FF2B5EF4-FFF2-40B4-BE49-F238E27FC236}">
+                <a16:creationId xmlns:a16="http://schemas.microsoft.com/office/drawing/2014/main" id="{0DDC8FBC-6A96-4105-B0BC-72869BF3F758}"/>
+              </a:ext>
+            </a:extLst>
+          </p:cNvPr>
+          <p:cNvSpPr txBox="1"/>
+          <p:nvPr/>
+        </p:nvSpPr>
+        <p:spPr>
+          <a:xfrm>
+            <a:off x="259308" y="177421"/>
+            <a:ext cx="2753523" cy="523220"/>
+          </a:xfrm>
+          <a:prstGeom prst="rect">
+            <a:avLst/>
+          </a:prstGeom>
+          <a:noFill/>
+        </p:spPr>
+        <p:txBody>
+          <a:bodyPr wrap="square" rtlCol="0">
+            <a:spAutoFit/>
+          </a:bodyPr>
+          <a:lstStyle/>
+          <a:p>
+            <a:r>
+              <a:rPr lang="en-US" sz="2800" b="1" dirty="0"/>
+              <a:t>Permission Card</a:t>
+            </a:r>
+          </a:p>
+        </p:txBody>
+      </p:sp>
+      <p:pic>
+        <p:nvPicPr>
+          <p:cNvPr id="5" name="Picture 4">
+            <a:extLst>
+              <a:ext uri="{FF2B5EF4-FFF2-40B4-BE49-F238E27FC236}">
+                <a16:creationId xmlns:a16="http://schemas.microsoft.com/office/drawing/2014/main" id="{4285D33C-B0D1-4118-9ED3-2E1FB81A6123}"/>
+              </a:ext>
+            </a:extLst>
+          </p:cNvPr>
+          <p:cNvPicPr>
+            <a:picLocks noChangeAspect="1"/>
+          </p:cNvPicPr>
+          <p:nvPr/>
+        </p:nvPicPr>
+        <p:blipFill>
+          <a:blip r:embed="rId2"/>
+          <a:stretch>
+            <a:fillRect/>
+          </a:stretch>
+        </p:blipFill>
+        <p:spPr>
+          <a:xfrm>
+            <a:off x="2920817" y="960920"/>
+            <a:ext cx="6115904" cy="5334744"/>
+          </a:xfrm>
+          <a:prstGeom prst="rect">
+            <a:avLst/>
+          </a:prstGeom>
+        </p:spPr>
+      </p:pic>
+    </p:spTree>
+    <p:extLst>
+      <p:ext uri="{BB962C8B-B14F-4D97-AF65-F5344CB8AC3E}">
+        <p14:creationId xmlns:p14="http://schemas.microsoft.com/office/powerpoint/2010/main" val="529387597"/>
       </p:ext>
     </p:extLst>
   </p:cSld>

--- a/document/mock_up_vc2part2.pptx
+++ b/document/mock_up_vc2part2.pptx
@@ -7,9 +7,14 @@
   <p:sldIdLst>
     <p:sldId id="256" r:id="rId2"/>
     <p:sldId id="259" r:id="rId3"/>
-    <p:sldId id="260" r:id="rId4"/>
-    <p:sldId id="257" r:id="rId5"/>
-    <p:sldId id="258" r:id="rId6"/>
+    <p:sldId id="261" r:id="rId4"/>
+    <p:sldId id="262" r:id="rId5"/>
+    <p:sldId id="263" r:id="rId6"/>
+    <p:sldId id="264" r:id="rId7"/>
+    <p:sldId id="260" r:id="rId8"/>
+    <p:sldId id="257" r:id="rId9"/>
+    <p:sldId id="258" r:id="rId10"/>
+    <p:sldId id="265" r:id="rId11"/>
   </p:sldIdLst>
   <p:sldSz cx="12192000" cy="6858000"/>
   <p:notesSz cx="6858000" cy="9144000"/>
@@ -263,7 +268,7 @@
           <a:p>
             <a:fld id="{0E7C9D4A-E086-4038-81C9-5CB7E1A2C39D}" type="datetimeFigureOut">
               <a:rPr lang="en-US" smtClean="0"/>
-              <a:t>12/27/2021</a:t>
+              <a:t>12/28/2021</a:t>
             </a:fld>
             <a:endParaRPr lang="en-US"/>
           </a:p>
@@ -461,7 +466,7 @@
           <a:p>
             <a:fld id="{0E7C9D4A-E086-4038-81C9-5CB7E1A2C39D}" type="datetimeFigureOut">
               <a:rPr lang="en-US" smtClean="0"/>
-              <a:t>12/27/2021</a:t>
+              <a:t>12/28/2021</a:t>
             </a:fld>
             <a:endParaRPr lang="en-US"/>
           </a:p>
@@ -669,7 +674,7 @@
           <a:p>
             <a:fld id="{0E7C9D4A-E086-4038-81C9-5CB7E1A2C39D}" type="datetimeFigureOut">
               <a:rPr lang="en-US" smtClean="0"/>
-              <a:t>12/27/2021</a:t>
+              <a:t>12/28/2021</a:t>
             </a:fld>
             <a:endParaRPr lang="en-US"/>
           </a:p>
@@ -867,7 +872,7 @@
           <a:p>
             <a:fld id="{0E7C9D4A-E086-4038-81C9-5CB7E1A2C39D}" type="datetimeFigureOut">
               <a:rPr lang="en-US" smtClean="0"/>
-              <a:t>12/27/2021</a:t>
+              <a:t>12/28/2021</a:t>
             </a:fld>
             <a:endParaRPr lang="en-US"/>
           </a:p>
@@ -1142,7 +1147,7 @@
           <a:p>
             <a:fld id="{0E7C9D4A-E086-4038-81C9-5CB7E1A2C39D}" type="datetimeFigureOut">
               <a:rPr lang="en-US" smtClean="0"/>
-              <a:t>12/27/2021</a:t>
+              <a:t>12/28/2021</a:t>
             </a:fld>
             <a:endParaRPr lang="en-US"/>
           </a:p>
@@ -1407,7 +1412,7 @@
           <a:p>
             <a:fld id="{0E7C9D4A-E086-4038-81C9-5CB7E1A2C39D}" type="datetimeFigureOut">
               <a:rPr lang="en-US" smtClean="0"/>
-              <a:t>12/27/2021</a:t>
+              <a:t>12/28/2021</a:t>
             </a:fld>
             <a:endParaRPr lang="en-US"/>
           </a:p>
@@ -1819,7 +1824,7 @@
           <a:p>
             <a:fld id="{0E7C9D4A-E086-4038-81C9-5CB7E1A2C39D}" type="datetimeFigureOut">
               <a:rPr lang="en-US" smtClean="0"/>
-              <a:t>12/27/2021</a:t>
+              <a:t>12/28/2021</a:t>
             </a:fld>
             <a:endParaRPr lang="en-US"/>
           </a:p>
@@ -1960,7 +1965,7 @@
           <a:p>
             <a:fld id="{0E7C9D4A-E086-4038-81C9-5CB7E1A2C39D}" type="datetimeFigureOut">
               <a:rPr lang="en-US" smtClean="0"/>
-              <a:t>12/27/2021</a:t>
+              <a:t>12/28/2021</a:t>
             </a:fld>
             <a:endParaRPr lang="en-US"/>
           </a:p>
@@ -2073,7 +2078,7 @@
           <a:p>
             <a:fld id="{0E7C9D4A-E086-4038-81C9-5CB7E1A2C39D}" type="datetimeFigureOut">
               <a:rPr lang="en-US" smtClean="0"/>
-              <a:t>12/27/2021</a:t>
+              <a:t>12/28/2021</a:t>
             </a:fld>
             <a:endParaRPr lang="en-US"/>
           </a:p>
@@ -2384,7 +2389,7 @@
           <a:p>
             <a:fld id="{0E7C9D4A-E086-4038-81C9-5CB7E1A2C39D}" type="datetimeFigureOut">
               <a:rPr lang="en-US" smtClean="0"/>
-              <a:t>12/27/2021</a:t>
+              <a:t>12/28/2021</a:t>
             </a:fld>
             <a:endParaRPr lang="en-US"/>
           </a:p>
@@ -2672,7 +2677,7 @@
           <a:p>
             <a:fld id="{0E7C9D4A-E086-4038-81C9-5CB7E1A2C39D}" type="datetimeFigureOut">
               <a:rPr lang="en-US" smtClean="0"/>
-              <a:t>12/27/2021</a:t>
+              <a:t>12/28/2021</a:t>
             </a:fld>
             <a:endParaRPr lang="en-US"/>
           </a:p>
@@ -2913,7 +2918,7 @@
           <a:p>
             <a:fld id="{0E7C9D4A-E086-4038-81C9-5CB7E1A2C39D}" type="datetimeFigureOut">
               <a:rPr lang="en-US" smtClean="0"/>
-              <a:t>12/27/2021</a:t>
+              <a:t>12/28/2021</a:t>
             </a:fld>
             <a:endParaRPr lang="en-US"/>
           </a:p>
@@ -3451,6 +3456,101 @@
 </p:sld>
 </file>
 
+<file path=ppt/slides/slide10.xml><?xml version="1.0" encoding="utf-8"?>
+<p:sld xmlns:a="http://schemas.openxmlformats.org/drawingml/2006/main" xmlns:r="http://schemas.openxmlformats.org/officeDocument/2006/relationships" xmlns:p="http://schemas.openxmlformats.org/presentationml/2006/main">
+  <p:cSld>
+    <p:spTree>
+      <p:nvGrpSpPr>
+        <p:cNvPr id="1" name=""/>
+        <p:cNvGrpSpPr/>
+        <p:nvPr/>
+      </p:nvGrpSpPr>
+      <p:grpSpPr>
+        <a:xfrm>
+          <a:off x="0" y="0"/>
+          <a:ext cx="0" cy="0"/>
+          <a:chOff x="0" y="0"/>
+          <a:chExt cx="0" cy="0"/>
+        </a:xfrm>
+      </p:grpSpPr>
+      <p:pic>
+        <p:nvPicPr>
+          <p:cNvPr id="5" name="Picture 4">
+            <a:extLst>
+              <a:ext uri="{FF2B5EF4-FFF2-40B4-BE49-F238E27FC236}">
+                <a16:creationId xmlns:a16="http://schemas.microsoft.com/office/drawing/2014/main" id="{C98E0995-2792-441A-AB8E-2D0753EB8C8A}"/>
+              </a:ext>
+            </a:extLst>
+          </p:cNvPr>
+          <p:cNvPicPr>
+            <a:picLocks noChangeAspect="1"/>
+          </p:cNvPicPr>
+          <p:nvPr/>
+        </p:nvPicPr>
+        <p:blipFill>
+          <a:blip r:embed="rId2"/>
+          <a:stretch>
+            <a:fillRect/>
+          </a:stretch>
+        </p:blipFill>
+        <p:spPr>
+          <a:xfrm>
+            <a:off x="3209925" y="874835"/>
+            <a:ext cx="5772150" cy="5600700"/>
+          </a:xfrm>
+          <a:prstGeom prst="rect">
+            <a:avLst/>
+          </a:prstGeom>
+        </p:spPr>
+      </p:pic>
+      <p:sp>
+        <p:nvSpPr>
+          <p:cNvPr id="6" name="TextBox 5">
+            <a:extLst>
+              <a:ext uri="{FF2B5EF4-FFF2-40B4-BE49-F238E27FC236}">
+                <a16:creationId xmlns:a16="http://schemas.microsoft.com/office/drawing/2014/main" id="{ACFBCE70-FE26-4369-A527-1AB2DADD6FAE}"/>
+              </a:ext>
+            </a:extLst>
+          </p:cNvPr>
+          <p:cNvSpPr txBox="1"/>
+          <p:nvPr/>
+        </p:nvSpPr>
+        <p:spPr>
+          <a:xfrm>
+            <a:off x="259308" y="177421"/>
+            <a:ext cx="2753523" cy="523220"/>
+          </a:xfrm>
+          <a:prstGeom prst="rect">
+            <a:avLst/>
+          </a:prstGeom>
+          <a:noFill/>
+        </p:spPr>
+        <p:txBody>
+          <a:bodyPr wrap="square" rtlCol="0">
+            <a:spAutoFit/>
+          </a:bodyPr>
+          <a:lstStyle/>
+          <a:p>
+            <a:r>
+              <a:rPr lang="en-US" sz="2800" b="1" dirty="0"/>
+              <a:t>Disciple form</a:t>
+            </a:r>
+          </a:p>
+        </p:txBody>
+      </p:sp>
+    </p:spTree>
+    <p:extLst>
+      <p:ext uri="{BB962C8B-B14F-4D97-AF65-F5344CB8AC3E}">
+        <p14:creationId xmlns:p14="http://schemas.microsoft.com/office/powerpoint/2010/main" val="3425719082"/>
+      </p:ext>
+    </p:extLst>
+  </p:cSld>
+  <p:clrMapOvr>
+    <a:masterClrMapping/>
+  </p:clrMapOvr>
+</p:sld>
+</file>
+
 <file path=ppt/slides/slide2.xml><?xml version="1.0" encoding="utf-8"?>
 <p:sld xmlns:a="http://schemas.openxmlformats.org/drawingml/2006/main" xmlns:r="http://schemas.openxmlformats.org/officeDocument/2006/relationships" xmlns:p="http://schemas.openxmlformats.org/presentationml/2006/main">
   <p:cSld>
@@ -3693,47 +3793,12 @@
           <a:chExt cx="0" cy="0"/>
         </a:xfrm>
       </p:grpSpPr>
-      <p:sp>
-        <p:nvSpPr>
-          <p:cNvPr id="5" name="TextBox 4">
-            <a:extLst>
-              <a:ext uri="{FF2B5EF4-FFF2-40B4-BE49-F238E27FC236}">
-                <a16:creationId xmlns:a16="http://schemas.microsoft.com/office/drawing/2014/main" id="{AAE5323C-2304-4AE9-849D-B3E1A24C2272}"/>
-              </a:ext>
-            </a:extLst>
-          </p:cNvPr>
-          <p:cNvSpPr txBox="1"/>
-          <p:nvPr/>
-        </p:nvSpPr>
-        <p:spPr>
-          <a:xfrm>
-            <a:off x="0" y="204148"/>
-            <a:ext cx="2104571" cy="461665"/>
-          </a:xfrm>
-          <a:prstGeom prst="rect">
-            <a:avLst/>
-          </a:prstGeom>
-          <a:noFill/>
-        </p:spPr>
-        <p:txBody>
-          <a:bodyPr wrap="square" rtlCol="0">
-            <a:spAutoFit/>
-          </a:bodyPr>
-          <a:lstStyle/>
-          <a:p>
-            <a:r>
-              <a:rPr lang="en-US" sz="2400" b="1" dirty="0"/>
-              <a:t> Users card</a:t>
-            </a:r>
-          </a:p>
-        </p:txBody>
-      </p:sp>
       <p:pic>
         <p:nvPicPr>
-          <p:cNvPr id="8" name="Picture 7">
-            <a:extLst>
-              <a:ext uri="{FF2B5EF4-FFF2-40B4-BE49-F238E27FC236}">
-                <a16:creationId xmlns:a16="http://schemas.microsoft.com/office/drawing/2014/main" id="{C14E93EE-1F24-4FA1-94CC-14039F723BB2}"/>
+          <p:cNvPr id="5" name="Picture 4">
+            <a:extLst>
+              <a:ext uri="{FF2B5EF4-FFF2-40B4-BE49-F238E27FC236}">
+                <a16:creationId xmlns:a16="http://schemas.microsoft.com/office/drawing/2014/main" id="{68279152-3E60-46DC-AEC6-702AD176DE6D}"/>
               </a:ext>
             </a:extLst>
           </p:cNvPr>
@@ -3750,18 +3815,53 @@
         </p:blipFill>
         <p:spPr>
           <a:xfrm>
-            <a:off x="449942" y="870857"/>
-            <a:ext cx="11509829" cy="5408356"/>
+            <a:off x="3214687" y="792773"/>
+            <a:ext cx="5762625" cy="5600700"/>
           </a:xfrm>
           <a:prstGeom prst="rect">
             <a:avLst/>
           </a:prstGeom>
         </p:spPr>
       </p:pic>
+      <p:sp>
+        <p:nvSpPr>
+          <p:cNvPr id="6" name="TextBox 5">
+            <a:extLst>
+              <a:ext uri="{FF2B5EF4-FFF2-40B4-BE49-F238E27FC236}">
+                <a16:creationId xmlns:a16="http://schemas.microsoft.com/office/drawing/2014/main" id="{7A9D741C-5482-444A-B60E-0D8E7E632764}"/>
+              </a:ext>
+            </a:extLst>
+          </p:cNvPr>
+          <p:cNvSpPr txBox="1"/>
+          <p:nvPr/>
+        </p:nvSpPr>
+        <p:spPr>
+          <a:xfrm>
+            <a:off x="187569" y="186802"/>
+            <a:ext cx="2414954" cy="461665"/>
+          </a:xfrm>
+          <a:prstGeom prst="rect">
+            <a:avLst/>
+          </a:prstGeom>
+          <a:noFill/>
+        </p:spPr>
+        <p:txBody>
+          <a:bodyPr wrap="square" rtlCol="0">
+            <a:spAutoFit/>
+          </a:bodyPr>
+          <a:lstStyle/>
+          <a:p>
+            <a:r>
+              <a:rPr lang="en-US" sz="2400" b="1" dirty="0"/>
+              <a:t>Create student</a:t>
+            </a:r>
+          </a:p>
+        </p:txBody>
+      </p:sp>
     </p:spTree>
     <p:extLst>
       <p:ext uri="{BB962C8B-B14F-4D97-AF65-F5344CB8AC3E}">
-        <p14:creationId xmlns:p14="http://schemas.microsoft.com/office/powerpoint/2010/main" val="1867707487"/>
+        <p14:creationId xmlns:p14="http://schemas.microsoft.com/office/powerpoint/2010/main" val="4274105585"/>
       </p:ext>
     </p:extLst>
   </p:cSld>
@@ -3790,6 +3890,416 @@
       </p:grpSpPr>
       <p:pic>
         <p:nvPicPr>
+          <p:cNvPr id="5" name="Picture 4">
+            <a:extLst>
+              <a:ext uri="{FF2B5EF4-FFF2-40B4-BE49-F238E27FC236}">
+                <a16:creationId xmlns:a16="http://schemas.microsoft.com/office/drawing/2014/main" id="{4C9778FE-A784-41C8-B6A4-14F7C8384880}"/>
+              </a:ext>
+            </a:extLst>
+          </p:cNvPr>
+          <p:cNvPicPr>
+            <a:picLocks noChangeAspect="1"/>
+          </p:cNvPicPr>
+          <p:nvPr/>
+        </p:nvPicPr>
+        <p:blipFill>
+          <a:blip r:embed="rId2"/>
+          <a:stretch>
+            <a:fillRect/>
+          </a:stretch>
+        </p:blipFill>
+        <p:spPr>
+          <a:xfrm>
+            <a:off x="3200400" y="771891"/>
+            <a:ext cx="5791200" cy="5572125"/>
+          </a:xfrm>
+          <a:prstGeom prst="rect">
+            <a:avLst/>
+          </a:prstGeom>
+        </p:spPr>
+      </p:pic>
+      <p:sp>
+        <p:nvSpPr>
+          <p:cNvPr id="6" name="TextBox 5">
+            <a:extLst>
+              <a:ext uri="{FF2B5EF4-FFF2-40B4-BE49-F238E27FC236}">
+                <a16:creationId xmlns:a16="http://schemas.microsoft.com/office/drawing/2014/main" id="{2A52262A-B3CB-45D6-9170-7335335B6F2E}"/>
+              </a:ext>
+            </a:extLst>
+          </p:cNvPr>
+          <p:cNvSpPr txBox="1"/>
+          <p:nvPr/>
+        </p:nvSpPr>
+        <p:spPr>
+          <a:xfrm>
+            <a:off x="187568" y="186802"/>
+            <a:ext cx="3516923" cy="461665"/>
+          </a:xfrm>
+          <a:prstGeom prst="rect">
+            <a:avLst/>
+          </a:prstGeom>
+          <a:noFill/>
+        </p:spPr>
+        <p:txBody>
+          <a:bodyPr wrap="square" rtlCol="0">
+            <a:spAutoFit/>
+          </a:bodyPr>
+          <a:lstStyle/>
+          <a:p>
+            <a:r>
+              <a:rPr lang="en-US" sz="2400" b="1" dirty="0"/>
+              <a:t>Create user account </a:t>
+            </a:r>
+          </a:p>
+        </p:txBody>
+      </p:sp>
+    </p:spTree>
+    <p:extLst>
+      <p:ext uri="{BB962C8B-B14F-4D97-AF65-F5344CB8AC3E}">
+        <p14:creationId xmlns:p14="http://schemas.microsoft.com/office/powerpoint/2010/main" val="4129832377"/>
+      </p:ext>
+    </p:extLst>
+  </p:cSld>
+  <p:clrMapOvr>
+    <a:masterClrMapping/>
+  </p:clrMapOvr>
+</p:sld>
+</file>
+
+<file path=ppt/slides/slide5.xml><?xml version="1.0" encoding="utf-8"?>
+<p:sld xmlns:a="http://schemas.openxmlformats.org/drawingml/2006/main" xmlns:r="http://schemas.openxmlformats.org/officeDocument/2006/relationships" xmlns:p="http://schemas.openxmlformats.org/presentationml/2006/main">
+  <p:cSld>
+    <p:spTree>
+      <p:nvGrpSpPr>
+        <p:cNvPr id="1" name=""/>
+        <p:cNvGrpSpPr/>
+        <p:nvPr/>
+      </p:nvGrpSpPr>
+      <p:grpSpPr>
+        <a:xfrm>
+          <a:off x="0" y="0"/>
+          <a:ext cx="0" cy="0"/>
+          <a:chOff x="0" y="0"/>
+          <a:chExt cx="0" cy="0"/>
+        </a:xfrm>
+      </p:grpSpPr>
+      <p:pic>
+        <p:nvPicPr>
+          <p:cNvPr id="5" name="Picture 4">
+            <a:extLst>
+              <a:ext uri="{FF2B5EF4-FFF2-40B4-BE49-F238E27FC236}">
+                <a16:creationId xmlns:a16="http://schemas.microsoft.com/office/drawing/2014/main" id="{D3B6C37C-0DCA-4E8D-896A-34DD720B435C}"/>
+              </a:ext>
+            </a:extLst>
+          </p:cNvPr>
+          <p:cNvPicPr>
+            <a:picLocks noChangeAspect="1"/>
+          </p:cNvPicPr>
+          <p:nvPr/>
+        </p:nvPicPr>
+        <p:blipFill>
+          <a:blip r:embed="rId2"/>
+          <a:stretch>
+            <a:fillRect/>
+          </a:stretch>
+        </p:blipFill>
+        <p:spPr>
+          <a:xfrm>
+            <a:off x="3133725" y="775554"/>
+            <a:ext cx="5924550" cy="5705475"/>
+          </a:xfrm>
+          <a:prstGeom prst="rect">
+            <a:avLst/>
+          </a:prstGeom>
+        </p:spPr>
+      </p:pic>
+      <p:sp>
+        <p:nvSpPr>
+          <p:cNvPr id="6" name="TextBox 5">
+            <a:extLst>
+              <a:ext uri="{FF2B5EF4-FFF2-40B4-BE49-F238E27FC236}">
+                <a16:creationId xmlns:a16="http://schemas.microsoft.com/office/drawing/2014/main" id="{F2DE3AC6-0304-4FAF-A6F7-C52C50C43CB8}"/>
+              </a:ext>
+            </a:extLst>
+          </p:cNvPr>
+          <p:cNvSpPr txBox="1"/>
+          <p:nvPr/>
+        </p:nvSpPr>
+        <p:spPr>
+          <a:xfrm>
+            <a:off x="187568" y="186802"/>
+            <a:ext cx="3516923" cy="461665"/>
+          </a:xfrm>
+          <a:prstGeom prst="rect">
+            <a:avLst/>
+          </a:prstGeom>
+          <a:noFill/>
+        </p:spPr>
+        <p:txBody>
+          <a:bodyPr wrap="square" rtlCol="0">
+            <a:spAutoFit/>
+          </a:bodyPr>
+          <a:lstStyle/>
+          <a:p>
+            <a:r>
+              <a:rPr lang="en-US" sz="2400" b="1" dirty="0"/>
+              <a:t>Create user for student</a:t>
+            </a:r>
+          </a:p>
+        </p:txBody>
+      </p:sp>
+      <p:pic>
+        <p:nvPicPr>
+          <p:cNvPr id="8" name="Picture 7">
+            <a:extLst>
+              <a:ext uri="{FF2B5EF4-FFF2-40B4-BE49-F238E27FC236}">
+                <a16:creationId xmlns:a16="http://schemas.microsoft.com/office/drawing/2014/main" id="{D0039D60-FDA5-4712-8363-C038A05A321C}"/>
+              </a:ext>
+            </a:extLst>
+          </p:cNvPr>
+          <p:cNvPicPr>
+            <a:picLocks noChangeAspect="1"/>
+          </p:cNvPicPr>
+          <p:nvPr/>
+        </p:nvPicPr>
+        <p:blipFill>
+          <a:blip r:embed="rId3"/>
+          <a:stretch>
+            <a:fillRect/>
+          </a:stretch>
+        </p:blipFill>
+        <p:spPr>
+          <a:xfrm>
+            <a:off x="3162300" y="581025"/>
+            <a:ext cx="5867400" cy="5695950"/>
+          </a:xfrm>
+          <a:prstGeom prst="rect">
+            <a:avLst/>
+          </a:prstGeom>
+        </p:spPr>
+      </p:pic>
+    </p:spTree>
+    <p:extLst>
+      <p:ext uri="{BB962C8B-B14F-4D97-AF65-F5344CB8AC3E}">
+        <p14:creationId xmlns:p14="http://schemas.microsoft.com/office/powerpoint/2010/main" val="444741234"/>
+      </p:ext>
+    </p:extLst>
+  </p:cSld>
+  <p:clrMapOvr>
+    <a:masterClrMapping/>
+  </p:clrMapOvr>
+</p:sld>
+</file>
+
+<file path=ppt/slides/slide6.xml><?xml version="1.0" encoding="utf-8"?>
+<p:sld xmlns:a="http://schemas.openxmlformats.org/drawingml/2006/main" xmlns:r="http://schemas.openxmlformats.org/officeDocument/2006/relationships" xmlns:p="http://schemas.openxmlformats.org/presentationml/2006/main">
+  <p:cSld>
+    <p:spTree>
+      <p:nvGrpSpPr>
+        <p:cNvPr id="1" name=""/>
+        <p:cNvGrpSpPr/>
+        <p:nvPr/>
+      </p:nvGrpSpPr>
+      <p:grpSpPr>
+        <a:xfrm>
+          <a:off x="0" y="0"/>
+          <a:ext cx="0" cy="0"/>
+          <a:chOff x="0" y="0"/>
+          <a:chExt cx="0" cy="0"/>
+        </a:xfrm>
+      </p:grpSpPr>
+      <p:pic>
+        <p:nvPicPr>
+          <p:cNvPr id="5" name="Picture 4">
+            <a:extLst>
+              <a:ext uri="{FF2B5EF4-FFF2-40B4-BE49-F238E27FC236}">
+                <a16:creationId xmlns:a16="http://schemas.microsoft.com/office/drawing/2014/main" id="{0C2B80D7-A618-4FA6-9E9F-7B72DE7C5538}"/>
+              </a:ext>
+            </a:extLst>
+          </p:cNvPr>
+          <p:cNvPicPr>
+            <a:picLocks noChangeAspect="1"/>
+          </p:cNvPicPr>
+          <p:nvPr/>
+        </p:nvPicPr>
+        <p:blipFill>
+          <a:blip r:embed="rId2"/>
+          <a:stretch>
+            <a:fillRect/>
+          </a:stretch>
+        </p:blipFill>
+        <p:spPr>
+          <a:xfrm>
+            <a:off x="3162300" y="581025"/>
+            <a:ext cx="5867400" cy="5695950"/>
+          </a:xfrm>
+          <a:prstGeom prst="rect">
+            <a:avLst/>
+          </a:prstGeom>
+        </p:spPr>
+      </p:pic>
+      <p:sp>
+        <p:nvSpPr>
+          <p:cNvPr id="6" name="TextBox 5">
+            <a:extLst>
+              <a:ext uri="{FF2B5EF4-FFF2-40B4-BE49-F238E27FC236}">
+                <a16:creationId xmlns:a16="http://schemas.microsoft.com/office/drawing/2014/main" id="{600B1619-1717-4733-9116-68AB3C8B650C}"/>
+              </a:ext>
+            </a:extLst>
+          </p:cNvPr>
+          <p:cNvSpPr txBox="1"/>
+          <p:nvPr/>
+        </p:nvSpPr>
+        <p:spPr>
+          <a:xfrm>
+            <a:off x="152399" y="80563"/>
+            <a:ext cx="3516923" cy="461665"/>
+          </a:xfrm>
+          <a:prstGeom prst="rect">
+            <a:avLst/>
+          </a:prstGeom>
+          <a:noFill/>
+        </p:spPr>
+        <p:txBody>
+          <a:bodyPr wrap="square" rtlCol="0">
+            <a:spAutoFit/>
+          </a:bodyPr>
+          <a:lstStyle/>
+          <a:p>
+            <a:r>
+              <a:rPr lang="en-US" sz="2400" b="1" dirty="0"/>
+              <a:t>Create user for SA officer </a:t>
+            </a:r>
+          </a:p>
+        </p:txBody>
+      </p:sp>
+    </p:spTree>
+    <p:extLst>
+      <p:ext uri="{BB962C8B-B14F-4D97-AF65-F5344CB8AC3E}">
+        <p14:creationId xmlns:p14="http://schemas.microsoft.com/office/powerpoint/2010/main" val="991882657"/>
+      </p:ext>
+    </p:extLst>
+  </p:cSld>
+  <p:clrMapOvr>
+    <a:masterClrMapping/>
+  </p:clrMapOvr>
+</p:sld>
+</file>
+
+<file path=ppt/slides/slide7.xml><?xml version="1.0" encoding="utf-8"?>
+<p:sld xmlns:a="http://schemas.openxmlformats.org/drawingml/2006/main" xmlns:r="http://schemas.openxmlformats.org/officeDocument/2006/relationships" xmlns:p="http://schemas.openxmlformats.org/presentationml/2006/main">
+  <p:cSld>
+    <p:spTree>
+      <p:nvGrpSpPr>
+        <p:cNvPr id="1" name=""/>
+        <p:cNvGrpSpPr/>
+        <p:nvPr/>
+      </p:nvGrpSpPr>
+      <p:grpSpPr>
+        <a:xfrm>
+          <a:off x="0" y="0"/>
+          <a:ext cx="0" cy="0"/>
+          <a:chOff x="0" y="0"/>
+          <a:chExt cx="0" cy="0"/>
+        </a:xfrm>
+      </p:grpSpPr>
+      <p:sp>
+        <p:nvSpPr>
+          <p:cNvPr id="5" name="TextBox 4">
+            <a:extLst>
+              <a:ext uri="{FF2B5EF4-FFF2-40B4-BE49-F238E27FC236}">
+                <a16:creationId xmlns:a16="http://schemas.microsoft.com/office/drawing/2014/main" id="{AAE5323C-2304-4AE9-849D-B3E1A24C2272}"/>
+              </a:ext>
+            </a:extLst>
+          </p:cNvPr>
+          <p:cNvSpPr txBox="1"/>
+          <p:nvPr/>
+        </p:nvSpPr>
+        <p:spPr>
+          <a:xfrm>
+            <a:off x="0" y="204148"/>
+            <a:ext cx="2104571" cy="461665"/>
+          </a:xfrm>
+          <a:prstGeom prst="rect">
+            <a:avLst/>
+          </a:prstGeom>
+          <a:noFill/>
+        </p:spPr>
+        <p:txBody>
+          <a:bodyPr wrap="square" rtlCol="0">
+            <a:spAutoFit/>
+          </a:bodyPr>
+          <a:lstStyle/>
+          <a:p>
+            <a:r>
+              <a:rPr lang="en-US" sz="2400" b="1" dirty="0"/>
+              <a:t> List of users</a:t>
+            </a:r>
+          </a:p>
+        </p:txBody>
+      </p:sp>
+      <p:pic>
+        <p:nvPicPr>
+          <p:cNvPr id="8" name="Picture 7">
+            <a:extLst>
+              <a:ext uri="{FF2B5EF4-FFF2-40B4-BE49-F238E27FC236}">
+                <a16:creationId xmlns:a16="http://schemas.microsoft.com/office/drawing/2014/main" id="{C14E93EE-1F24-4FA1-94CC-14039F723BB2}"/>
+              </a:ext>
+            </a:extLst>
+          </p:cNvPr>
+          <p:cNvPicPr>
+            <a:picLocks noChangeAspect="1"/>
+          </p:cNvPicPr>
+          <p:nvPr/>
+        </p:nvPicPr>
+        <p:blipFill>
+          <a:blip r:embed="rId2"/>
+          <a:stretch>
+            <a:fillRect/>
+          </a:stretch>
+        </p:blipFill>
+        <p:spPr>
+          <a:xfrm>
+            <a:off x="449942" y="870857"/>
+            <a:ext cx="11509829" cy="5408356"/>
+          </a:xfrm>
+          <a:prstGeom prst="rect">
+            <a:avLst/>
+          </a:prstGeom>
+        </p:spPr>
+      </p:pic>
+    </p:spTree>
+    <p:extLst>
+      <p:ext uri="{BB962C8B-B14F-4D97-AF65-F5344CB8AC3E}">
+        <p14:creationId xmlns:p14="http://schemas.microsoft.com/office/powerpoint/2010/main" val="1867707487"/>
+      </p:ext>
+    </p:extLst>
+  </p:cSld>
+  <p:clrMapOvr>
+    <a:masterClrMapping/>
+  </p:clrMapOvr>
+</p:sld>
+</file>
+
+<file path=ppt/slides/slide8.xml><?xml version="1.0" encoding="utf-8"?>
+<p:sld xmlns:a="http://schemas.openxmlformats.org/drawingml/2006/main" xmlns:r="http://schemas.openxmlformats.org/officeDocument/2006/relationships" xmlns:p="http://schemas.openxmlformats.org/presentationml/2006/main">
+  <p:cSld>
+    <p:spTree>
+      <p:nvGrpSpPr>
+        <p:cNvPr id="1" name=""/>
+        <p:cNvGrpSpPr/>
+        <p:nvPr/>
+      </p:nvGrpSpPr>
+      <p:grpSpPr>
+        <a:xfrm>
+          <a:off x="0" y="0"/>
+          <a:ext cx="0" cy="0"/>
+          <a:chOff x="0" y="0"/>
+          <a:chExt cx="0" cy="0"/>
+        </a:xfrm>
+      </p:grpSpPr>
+      <p:pic>
+        <p:nvPicPr>
           <p:cNvPr id="4" name="Picture 3">
             <a:extLst>
               <a:ext uri="{FF2B5EF4-FFF2-40B4-BE49-F238E27FC236}">
@@ -3866,7 +4376,7 @@
 </p:sld>
 </file>
 
-<file path=ppt/slides/slide5.xml><?xml version="1.0" encoding="utf-8"?>
+<file path=ppt/slides/slide9.xml><?xml version="1.0" encoding="utf-8"?>
 <p:sld xmlns:a="http://schemas.openxmlformats.org/drawingml/2006/main" xmlns:r="http://schemas.openxmlformats.org/officeDocument/2006/relationships" xmlns:p="http://schemas.openxmlformats.org/presentationml/2006/main">
   <p:cSld>
     <p:spTree>
